--- a/Lecture_23.pptx
+++ b/Lecture_23.pptx
@@ -117,6 +117,11 @@
       </a:defRPr>
     </a:lvl9pPr>
   </p:defaultTextStyle>
+  <p:extLst>
+    <p:ext uri="{EFAFB233-063F-42B5-8137-9DF3F51BA10A}">
+      <p15:sldGuideLst xmlns:p15="http://schemas.microsoft.com/office/powerpoint/2012/main"/>
+    </p:ext>
+  </p:extLst>
 </p:presentation>
 </file>
 
@@ -267,7 +272,7 @@
           <a:p>
             <a:fld id="{F51248E7-8197-49A8-A804-B8E44714B182}" type="datetimeFigureOut">
               <a:rPr lang="en-US" smtClean="0"/>
-              <a:t>10/30/2019</a:t>
+              <a:t>11/3/2019</a:t>
             </a:fld>
             <a:endParaRPr lang="en-US"/>
           </a:p>
@@ -465,7 +470,7 @@
           <a:p>
             <a:fld id="{F51248E7-8197-49A8-A804-B8E44714B182}" type="datetimeFigureOut">
               <a:rPr lang="en-US" smtClean="0"/>
-              <a:t>10/30/2019</a:t>
+              <a:t>11/3/2019</a:t>
             </a:fld>
             <a:endParaRPr lang="en-US"/>
           </a:p>
@@ -673,7 +678,7 @@
           <a:p>
             <a:fld id="{F51248E7-8197-49A8-A804-B8E44714B182}" type="datetimeFigureOut">
               <a:rPr lang="en-US" smtClean="0"/>
-              <a:t>10/30/2019</a:t>
+              <a:t>11/3/2019</a:t>
             </a:fld>
             <a:endParaRPr lang="en-US"/>
           </a:p>
@@ -871,7 +876,7 @@
           <a:p>
             <a:fld id="{F51248E7-8197-49A8-A804-B8E44714B182}" type="datetimeFigureOut">
               <a:rPr lang="en-US" smtClean="0"/>
-              <a:t>10/30/2019</a:t>
+              <a:t>11/3/2019</a:t>
             </a:fld>
             <a:endParaRPr lang="en-US"/>
           </a:p>
@@ -1146,7 +1151,7 @@
           <a:p>
             <a:fld id="{F51248E7-8197-49A8-A804-B8E44714B182}" type="datetimeFigureOut">
               <a:rPr lang="en-US" smtClean="0"/>
-              <a:t>10/30/2019</a:t>
+              <a:t>11/3/2019</a:t>
             </a:fld>
             <a:endParaRPr lang="en-US"/>
           </a:p>
@@ -1411,7 +1416,7 @@
           <a:p>
             <a:fld id="{F51248E7-8197-49A8-A804-B8E44714B182}" type="datetimeFigureOut">
               <a:rPr lang="en-US" smtClean="0"/>
-              <a:t>10/30/2019</a:t>
+              <a:t>11/3/2019</a:t>
             </a:fld>
             <a:endParaRPr lang="en-US"/>
           </a:p>
@@ -1823,7 +1828,7 @@
           <a:p>
             <a:fld id="{F51248E7-8197-49A8-A804-B8E44714B182}" type="datetimeFigureOut">
               <a:rPr lang="en-US" smtClean="0"/>
-              <a:t>10/30/2019</a:t>
+              <a:t>11/3/2019</a:t>
             </a:fld>
             <a:endParaRPr lang="en-US"/>
           </a:p>
@@ -1964,7 +1969,7 @@
           <a:p>
             <a:fld id="{F51248E7-8197-49A8-A804-B8E44714B182}" type="datetimeFigureOut">
               <a:rPr lang="en-US" smtClean="0"/>
-              <a:t>10/30/2019</a:t>
+              <a:t>11/3/2019</a:t>
             </a:fld>
             <a:endParaRPr lang="en-US"/>
           </a:p>
@@ -2077,7 +2082,7 @@
           <a:p>
             <a:fld id="{F51248E7-8197-49A8-A804-B8E44714B182}" type="datetimeFigureOut">
               <a:rPr lang="en-US" smtClean="0"/>
-              <a:t>10/30/2019</a:t>
+              <a:t>11/3/2019</a:t>
             </a:fld>
             <a:endParaRPr lang="en-US"/>
           </a:p>
@@ -2388,7 +2393,7 @@
           <a:p>
             <a:fld id="{F51248E7-8197-49A8-A804-B8E44714B182}" type="datetimeFigureOut">
               <a:rPr lang="en-US" smtClean="0"/>
-              <a:t>10/30/2019</a:t>
+              <a:t>11/3/2019</a:t>
             </a:fld>
             <a:endParaRPr lang="en-US"/>
           </a:p>
@@ -2676,7 +2681,7 @@
           <a:p>
             <a:fld id="{F51248E7-8197-49A8-A804-B8E44714B182}" type="datetimeFigureOut">
               <a:rPr lang="en-US" smtClean="0"/>
-              <a:t>10/30/2019</a:t>
+              <a:t>11/3/2019</a:t>
             </a:fld>
             <a:endParaRPr lang="en-US"/>
           </a:p>
@@ -2917,7 +2922,7 @@
           <a:p>
             <a:fld id="{F51248E7-8197-49A8-A804-B8E44714B182}" type="datetimeFigureOut">
               <a:rPr lang="en-US" smtClean="0"/>
-              <a:t>10/30/2019</a:t>
+              <a:t>11/3/2019</a:t>
             </a:fld>
             <a:endParaRPr lang="en-US"/>
           </a:p>
@@ -3799,7 +3804,7 @@
                 </a:r>
                 <a:r>
                   <a:rPr lang="en-US" dirty="0"/>
-                  <a:t>followed by elementwise sigmoid</a:t>
+                  <a:t>followed by elementwise nonlinearity</a:t>
                 </a:r>
               </a:p>
               <a:p>
@@ -5280,8 +5285,8 @@
           </a:p>
         </p:txBody>
       </p:sp>
-      <mc:AlternateContent xmlns:mc="http://schemas.openxmlformats.org/markup-compatibility/2006">
-        <mc:Choice xmlns:a14="http://schemas.microsoft.com/office/drawing/2010/main" Requires="a14">
+      <mc:AlternateContent xmlns:mc="http://schemas.openxmlformats.org/markup-compatibility/2006" xmlns:a14="http://schemas.microsoft.com/office/drawing/2010/main">
+        <mc:Choice Requires="a14">
           <p:sp>
             <p:nvSpPr>
               <p:cNvPr id="3" name="Content Placeholder 2">
@@ -6314,7 +6319,7 @@
             </p:txBody>
           </p:sp>
         </mc:Choice>
-        <mc:Fallback>
+        <mc:Fallback xmlns="">
           <p:sp>
             <p:nvSpPr>
               <p:cNvPr id="3" name="Content Placeholder 2">
@@ -6762,8 +6767,8 @@
         </p:blipFill>
         <p:spPr>
           <a:xfrm>
-            <a:off x="0" y="71438"/>
-            <a:ext cx="8072117" cy="6715123"/>
+            <a:off x="1" y="30343"/>
+            <a:ext cx="7335748" cy="6102544"/>
           </a:xfrm>
           <a:prstGeom prst="rect">
             <a:avLst/>
@@ -6856,6 +6861,152 @@
           </a:p>
         </p:txBody>
       </p:sp>
+      <p:sp>
+        <p:nvSpPr>
+          <p:cNvPr id="2" name="TextBox 1">
+            <a:extLst>
+              <a:ext uri="{FF2B5EF4-FFF2-40B4-BE49-F238E27FC236}">
+                <a16:creationId xmlns:a16="http://schemas.microsoft.com/office/drawing/2014/main" id="{3D2FCEDE-CAA8-4546-985F-3B40CEB268D5}"/>
+              </a:ext>
+            </a:extLst>
+          </p:cNvPr>
+          <p:cNvSpPr txBox="1"/>
+          <p:nvPr/>
+        </p:nvSpPr>
+        <p:spPr>
+          <a:xfrm>
+            <a:off x="6339155" y="6458325"/>
+            <a:ext cx="5763802" cy="369332"/>
+          </a:xfrm>
+          <a:prstGeom prst="rect">
+            <a:avLst/>
+          </a:prstGeom>
+          <a:noFill/>
+        </p:spPr>
+        <p:txBody>
+          <a:bodyPr wrap="square" rtlCol="0">
+            <a:spAutoFit/>
+          </a:bodyPr>
+          <a:lstStyle/>
+          <a:p>
+            <a:r>
+              <a:rPr lang="en-US" dirty="0">
+                <a:hlinkClick r:id="rId3"/>
+              </a:rPr>
+              <a:t>http://karpathy.github.io/2015/05/21/rnn-effectiveness/</a:t>
+            </a:r>
+            <a:endParaRPr lang="en-US" dirty="0"/>
+          </a:p>
+        </p:txBody>
+      </p:sp>
+      <p:sp>
+        <p:nvSpPr>
+          <p:cNvPr id="3" name="TextBox 2">
+            <a:extLst>
+              <a:ext uri="{FF2B5EF4-FFF2-40B4-BE49-F238E27FC236}">
+                <a16:creationId xmlns:a16="http://schemas.microsoft.com/office/drawing/2014/main" id="{3F979306-055D-44E5-9B0B-A76F22929753}"/>
+              </a:ext>
+            </a:extLst>
+          </p:cNvPr>
+          <p:cNvSpPr txBox="1"/>
+          <p:nvPr/>
+        </p:nvSpPr>
+        <p:spPr>
+          <a:xfrm>
+            <a:off x="6339155" y="6201203"/>
+            <a:ext cx="3801438" cy="369332"/>
+          </a:xfrm>
+          <a:prstGeom prst="rect">
+            <a:avLst/>
+          </a:prstGeom>
+          <a:noFill/>
+        </p:spPr>
+        <p:txBody>
+          <a:bodyPr wrap="square" rtlCol="0">
+            <a:spAutoFit/>
+          </a:bodyPr>
+          <a:lstStyle/>
+          <a:p>
+            <a:r>
+              <a:rPr lang="en-US" dirty="0"/>
+              <a:t>Also, check out blog post:</a:t>
+            </a:r>
+          </a:p>
+        </p:txBody>
+      </p:sp>
+      <p:sp>
+        <p:nvSpPr>
+          <p:cNvPr id="7" name="TextBox 6">
+            <a:extLst>
+              <a:ext uri="{FF2B5EF4-FFF2-40B4-BE49-F238E27FC236}">
+                <a16:creationId xmlns:a16="http://schemas.microsoft.com/office/drawing/2014/main" id="{45516198-16B3-4386-B522-DA0793D48F3A}"/>
+              </a:ext>
+            </a:extLst>
+          </p:cNvPr>
+          <p:cNvSpPr txBox="1"/>
+          <p:nvPr/>
+        </p:nvSpPr>
+        <p:spPr>
+          <a:xfrm>
+            <a:off x="20548" y="6457540"/>
+            <a:ext cx="9750175" cy="369332"/>
+          </a:xfrm>
+          <a:prstGeom prst="rect">
+            <a:avLst/>
+          </a:prstGeom>
+          <a:noFill/>
+        </p:spPr>
+        <p:txBody>
+          <a:bodyPr wrap="square" rtlCol="0">
+            <a:spAutoFit/>
+          </a:bodyPr>
+          <a:lstStyle/>
+          <a:p>
+            <a:r>
+              <a:rPr lang="en-US" dirty="0">
+                <a:hlinkClick r:id="rId4"/>
+              </a:rPr>
+              <a:t>https://colah.github.io/posts/2015-08-Understanding-LSTMs/</a:t>
+            </a:r>
+            <a:endParaRPr lang="en-US" dirty="0"/>
+          </a:p>
+        </p:txBody>
+      </p:sp>
+      <p:sp>
+        <p:nvSpPr>
+          <p:cNvPr id="8" name="TextBox 7">
+            <a:extLst>
+              <a:ext uri="{FF2B5EF4-FFF2-40B4-BE49-F238E27FC236}">
+                <a16:creationId xmlns:a16="http://schemas.microsoft.com/office/drawing/2014/main" id="{C88B867D-DEF4-43F8-967C-5ACA16C58921}"/>
+              </a:ext>
+            </a:extLst>
+          </p:cNvPr>
+          <p:cNvSpPr txBox="1"/>
+          <p:nvPr/>
+        </p:nvSpPr>
+        <p:spPr>
+          <a:xfrm>
+            <a:off x="1" y="6118492"/>
+            <a:ext cx="5852846" cy="369332"/>
+          </a:xfrm>
+          <a:prstGeom prst="rect">
+            <a:avLst/>
+          </a:prstGeom>
+          <a:noFill/>
+        </p:spPr>
+        <p:txBody>
+          <a:bodyPr wrap="square" rtlCol="0">
+            <a:spAutoFit/>
+          </a:bodyPr>
+          <a:lstStyle/>
+          <a:p>
+            <a:r>
+              <a:rPr lang="en-US" dirty="0"/>
+              <a:t>More intuitive explanation of LSTMs:</a:t>
+            </a:r>
+          </a:p>
+        </p:txBody>
+      </p:sp>
     </p:spTree>
     <p:extLst>
       <p:ext uri="{BB962C8B-B14F-4D97-AF65-F5344CB8AC3E}">
@@ -6866,6 +7017,186 @@
   <p:clrMapOvr>
     <a:masterClrMapping/>
   </p:clrMapOvr>
+  <p:timing>
+    <p:tnLst>
+      <p:par>
+        <p:cTn id="1" dur="indefinite" restart="never" nodeType="tmRoot">
+          <p:childTnLst>
+            <p:seq concurrent="1" nextAc="seek">
+              <p:cTn id="2" dur="indefinite" nodeType="mainSeq">
+                <p:childTnLst>
+                  <p:par>
+                    <p:cTn id="3" fill="hold">
+                      <p:stCondLst>
+                        <p:cond delay="indefinite"/>
+                      </p:stCondLst>
+                      <p:childTnLst>
+                        <p:par>
+                          <p:cTn id="4" fill="hold">
+                            <p:stCondLst>
+                              <p:cond delay="0"/>
+                            </p:stCondLst>
+                            <p:childTnLst>
+                              <p:par>
+                                <p:cTn id="5" presetID="1" presetClass="entr" presetSubtype="0" fill="hold" grpId="0" nodeType="clickEffect">
+                                  <p:stCondLst>
+                                    <p:cond delay="0"/>
+                                  </p:stCondLst>
+                                  <p:childTnLst>
+                                    <p:set>
+                                      <p:cBhvr>
+                                        <p:cTn id="6" dur="1" fill="hold">
+                                          <p:stCondLst>
+                                            <p:cond delay="0"/>
+                                          </p:stCondLst>
+                                        </p:cTn>
+                                        <p:tgtEl>
+                                          <p:spTgt spid="7"/>
+                                        </p:tgtEl>
+                                        <p:attrNameLst>
+                                          <p:attrName>style.visibility</p:attrName>
+                                        </p:attrNameLst>
+                                      </p:cBhvr>
+                                      <p:to>
+                                        <p:strVal val="visible"/>
+                                      </p:to>
+                                    </p:set>
+                                  </p:childTnLst>
+                                </p:cTn>
+                              </p:par>
+                              <p:par>
+                                <p:cTn id="7" presetID="1" presetClass="entr" presetSubtype="0" fill="hold" grpId="0" nodeType="withEffect">
+                                  <p:stCondLst>
+                                    <p:cond delay="0"/>
+                                  </p:stCondLst>
+                                  <p:childTnLst>
+                                    <p:set>
+                                      <p:cBhvr>
+                                        <p:cTn id="8" dur="1" fill="hold">
+                                          <p:stCondLst>
+                                            <p:cond delay="0"/>
+                                          </p:stCondLst>
+                                        </p:cTn>
+                                        <p:tgtEl>
+                                          <p:spTgt spid="8"/>
+                                        </p:tgtEl>
+                                        <p:attrNameLst>
+                                          <p:attrName>style.visibility</p:attrName>
+                                        </p:attrNameLst>
+                                      </p:cBhvr>
+                                      <p:to>
+                                        <p:strVal val="visible"/>
+                                      </p:to>
+                                    </p:set>
+                                  </p:childTnLst>
+                                </p:cTn>
+                              </p:par>
+                            </p:childTnLst>
+                          </p:cTn>
+                        </p:par>
+                      </p:childTnLst>
+                    </p:cTn>
+                  </p:par>
+                  <p:par>
+                    <p:cTn id="9" fill="hold">
+                      <p:stCondLst>
+                        <p:cond delay="indefinite"/>
+                      </p:stCondLst>
+                      <p:childTnLst>
+                        <p:par>
+                          <p:cTn id="10" fill="hold">
+                            <p:stCondLst>
+                              <p:cond delay="0"/>
+                            </p:stCondLst>
+                            <p:childTnLst>
+                              <p:par>
+                                <p:cTn id="11" presetID="1" presetClass="entr" presetSubtype="0" fill="hold" grpId="0" nodeType="clickEffect">
+                                  <p:stCondLst>
+                                    <p:cond delay="0"/>
+                                  </p:stCondLst>
+                                  <p:childTnLst>
+                                    <p:set>
+                                      <p:cBhvr>
+                                        <p:cTn id="12" dur="1" fill="hold">
+                                          <p:stCondLst>
+                                            <p:cond delay="0"/>
+                                          </p:stCondLst>
+                                        </p:cTn>
+                                        <p:tgtEl>
+                                          <p:spTgt spid="3"/>
+                                        </p:tgtEl>
+                                        <p:attrNameLst>
+                                          <p:attrName>style.visibility</p:attrName>
+                                        </p:attrNameLst>
+                                      </p:cBhvr>
+                                      <p:to>
+                                        <p:strVal val="visible"/>
+                                      </p:to>
+                                    </p:set>
+                                  </p:childTnLst>
+                                </p:cTn>
+                              </p:par>
+                              <p:par>
+                                <p:cTn id="13" presetID="1" presetClass="entr" presetSubtype="0" fill="hold" grpId="0" nodeType="withEffect">
+                                  <p:stCondLst>
+                                    <p:cond delay="0"/>
+                                  </p:stCondLst>
+                                  <p:childTnLst>
+                                    <p:set>
+                                      <p:cBhvr>
+                                        <p:cTn id="14" dur="1" fill="hold">
+                                          <p:stCondLst>
+                                            <p:cond delay="0"/>
+                                          </p:stCondLst>
+                                        </p:cTn>
+                                        <p:tgtEl>
+                                          <p:spTgt spid="2"/>
+                                        </p:tgtEl>
+                                        <p:attrNameLst>
+                                          <p:attrName>style.visibility</p:attrName>
+                                        </p:attrNameLst>
+                                      </p:cBhvr>
+                                      <p:to>
+                                        <p:strVal val="visible"/>
+                                      </p:to>
+                                    </p:set>
+                                  </p:childTnLst>
+                                </p:cTn>
+                              </p:par>
+                            </p:childTnLst>
+                          </p:cTn>
+                        </p:par>
+                      </p:childTnLst>
+                    </p:cTn>
+                  </p:par>
+                </p:childTnLst>
+              </p:cTn>
+              <p:prevCondLst>
+                <p:cond evt="onPrev" delay="0">
+                  <p:tgtEl>
+                    <p:sldTgt/>
+                  </p:tgtEl>
+                </p:cond>
+              </p:prevCondLst>
+              <p:nextCondLst>
+                <p:cond evt="onNext" delay="0">
+                  <p:tgtEl>
+                    <p:sldTgt/>
+                  </p:tgtEl>
+                </p:cond>
+              </p:nextCondLst>
+            </p:seq>
+          </p:childTnLst>
+        </p:cTn>
+      </p:par>
+    </p:tnLst>
+    <p:bldLst>
+      <p:bldP spid="2" grpId="0"/>
+      <p:bldP spid="3" grpId="0"/>
+      <p:bldP spid="7" grpId="0"/>
+      <p:bldP spid="8" grpId="0"/>
+    </p:bldLst>
+  </p:timing>
 </p:sld>
 </file>
 
@@ -6959,18 +7290,6 @@
             </a:r>
           </a:p>
           <a:p>
-            <a:r>
-              <a:rPr lang="en-US" dirty="0"/>
-              <a:t>Dropout</a:t>
-            </a:r>
-          </a:p>
-          <a:p>
-            <a:r>
-              <a:rPr lang="en-US" dirty="0"/>
-              <a:t>Learning rate, batch size</a:t>
-            </a:r>
-          </a:p>
-          <a:p>
             <a:endParaRPr lang="en-US" dirty="0"/>
           </a:p>
         </p:txBody>
@@ -7035,6 +7354,49 @@
           </a:prstGeom>
         </p:spPr>
       </p:pic>
+      <p:sp>
+        <p:nvSpPr>
+          <p:cNvPr id="5" name="TextBox 4">
+            <a:extLst>
+              <a:ext uri="{FF2B5EF4-FFF2-40B4-BE49-F238E27FC236}">
+                <a16:creationId xmlns:a16="http://schemas.microsoft.com/office/drawing/2014/main" id="{EC841596-E364-41B6-8CCF-B4529DCFC301}"/>
+              </a:ext>
+            </a:extLst>
+          </p:cNvPr>
+          <p:cNvSpPr txBox="1"/>
+          <p:nvPr/>
+        </p:nvSpPr>
+        <p:spPr>
+          <a:xfrm>
+            <a:off x="0" y="6452171"/>
+            <a:ext cx="10263883" cy="369332"/>
+          </a:xfrm>
+          <a:prstGeom prst="rect">
+            <a:avLst/>
+          </a:prstGeom>
+          <a:noFill/>
+        </p:spPr>
+        <p:txBody>
+          <a:bodyPr wrap="square" rtlCol="0">
+            <a:spAutoFit/>
+          </a:bodyPr>
+          <a:lstStyle/>
+          <a:p>
+            <a:r>
+              <a:rPr lang="en-US" dirty="0"/>
+              <a:t>LSTM+CNN obsolete? check out article “attention is all you need” from Google Brain (on </a:t>
+            </a:r>
+            <a:r>
+              <a:rPr lang="en-US" dirty="0" err="1"/>
+              <a:t>moodle</a:t>
+            </a:r>
+            <a:r>
+              <a:rPr lang="en-US" dirty="0"/>
+              <a:t>)</a:t>
+            </a:r>
+          </a:p>
+        </p:txBody>
+      </p:sp>
     </p:spTree>
     <p:extLst>
       <p:ext uri="{BB962C8B-B14F-4D97-AF65-F5344CB8AC3E}">
@@ -7148,7 +7510,7 @@
           <a:p>
             <a:r>
               <a:rPr lang="en-US" dirty="0"/>
-              <a:t>Set input=output, and reduce number of hidden units </a:t>
+              <a:t>Set input equal to output, and reduce number of hidden units </a:t>
             </a:r>
           </a:p>
         </p:txBody>
@@ -7200,8 +7562,8 @@
           </a:extLst>
         </p:spPr>
       </p:pic>
-      <mc:AlternateContent xmlns:mc="http://schemas.openxmlformats.org/markup-compatibility/2006">
-        <mc:Choice xmlns:a14="http://schemas.microsoft.com/office/drawing/2010/main" Requires="a14">
+      <mc:AlternateContent xmlns:mc="http://schemas.openxmlformats.org/markup-compatibility/2006" xmlns:a14="http://schemas.microsoft.com/office/drawing/2010/main">
+        <mc:Choice Requires="a14">
           <p:sp>
             <p:nvSpPr>
               <p:cNvPr id="5" name="Content Placeholder 2">
@@ -7609,7 +7971,7 @@
             </p:txBody>
           </p:sp>
         </mc:Choice>
-        <mc:Fallback>
+        <mc:Fallback xmlns="">
           <p:sp>
             <p:nvSpPr>
               <p:cNvPr id="5" name="Content Placeholder 2">
@@ -8140,8 +8502,8 @@
           </a:p>
         </p:txBody>
       </p:sp>
-      <mc:AlternateContent xmlns:mc="http://schemas.openxmlformats.org/markup-compatibility/2006">
-        <mc:Choice xmlns:a14="http://schemas.microsoft.com/office/drawing/2010/main" Requires="a14">
+      <mc:AlternateContent xmlns:mc="http://schemas.openxmlformats.org/markup-compatibility/2006" xmlns:a14="http://schemas.microsoft.com/office/drawing/2010/main">
+        <mc:Choice Requires="a14">
           <p:sp>
             <p:nvSpPr>
               <p:cNvPr id="3" name="Content Placeholder 2">
@@ -8752,7 +9114,7 @@
             </p:txBody>
           </p:sp>
         </mc:Choice>
-        <mc:Fallback>
+        <mc:Fallback xmlns="">
           <p:sp>
             <p:nvSpPr>
               <p:cNvPr id="3" name="Content Placeholder 2">
@@ -9260,7 +9622,7 @@
               <a:p>
                 <a:r>
                   <a:rPr lang="en-US" dirty="0"/>
-                  <a:t>backpropagation + mini batch gradient descent (like other neural networks)</a:t>
+                  <a:t>Backpropagation + mini batch gradient descent (like other neural networks)</a:t>
                 </a:r>
               </a:p>
               <a:p>
@@ -9913,8 +10275,8 @@
           </a:p>
         </p:txBody>
       </p:sp>
-      <mc:AlternateContent xmlns:mc="http://schemas.openxmlformats.org/markup-compatibility/2006">
-        <mc:Choice xmlns:a14="http://schemas.microsoft.com/office/drawing/2010/main" Requires="a14">
+      <mc:AlternateContent xmlns:mc="http://schemas.openxmlformats.org/markup-compatibility/2006" xmlns:a14="http://schemas.microsoft.com/office/drawing/2010/main">
+        <mc:Choice Requires="a14">
           <p:sp>
             <p:nvSpPr>
               <p:cNvPr id="3" name="Content Placeholder 2">
@@ -10453,7 +10815,7 @@
             </p:txBody>
           </p:sp>
         </mc:Choice>
-        <mc:Fallback>
+        <mc:Fallback xmlns="">
           <p:sp>
             <p:nvSpPr>
               <p:cNvPr id="3" name="Content Placeholder 2">
@@ -10527,8 +10889,8 @@
           </a:prstGeom>
         </p:spPr>
       </p:pic>
-      <mc:AlternateContent xmlns:mc="http://schemas.openxmlformats.org/markup-compatibility/2006">
-        <mc:Choice xmlns:a14="http://schemas.microsoft.com/office/drawing/2010/main" Requires="a14">
+      <mc:AlternateContent xmlns:mc="http://schemas.openxmlformats.org/markup-compatibility/2006" xmlns:a14="http://schemas.microsoft.com/office/drawing/2010/main">
+        <mc:Choice Requires="a14">
           <p:sp>
             <p:nvSpPr>
               <p:cNvPr id="5" name="TextBox 4">
@@ -11010,7 +11372,7 @@
             </p:txBody>
           </p:sp>
         </mc:Choice>
-        <mc:Fallback>
+        <mc:Fallback xmlns="">
           <p:sp>
             <p:nvSpPr>
               <p:cNvPr id="5" name="TextBox 4">
@@ -11828,8 +12190,8 @@
             </p:nvSpPr>
             <p:spPr>
               <a:xfrm>
-                <a:off x="8790957" y="2887038"/>
-                <a:ext cx="3401041" cy="3970961"/>
+                <a:off x="8790957" y="2619910"/>
+                <a:ext cx="3401041" cy="4238089"/>
               </a:xfrm>
               <a:prstGeom prst="rect">
                 <a:avLst/>
@@ -11837,7 +12199,7 @@
             </p:spPr>
             <p:txBody>
               <a:bodyPr vert="horz" lIns="91440" tIns="45720" rIns="91440" bIns="45720" rtlCol="0">
-                <a:normAutofit fontScale="77500" lnSpcReduction="20000"/>
+                <a:normAutofit fontScale="70000" lnSpcReduction="20000"/>
               </a:bodyPr>
               <a:lstStyle>
                 <a:lvl1pPr marL="228600" indent="-228600" algn="l" defTabSz="914400" rtl="0" eaLnBrk="1" latinLnBrk="0" hangingPunct="1">
@@ -12075,19 +12437,19 @@
               <a:p>
                 <a:r>
                   <a:rPr lang="en-US" dirty="0"/>
-                  <a:t>B) hidden Markov model written as a dynamic Bayesian network</a:t>
+                  <a:t>Like a hidden Markov model, recurrent networks can be unwrapped and implemented using the same weights and biases at each step to link units in time</a:t>
+                </a:r>
+              </a:p>
+              <a:p>
+                <a:r>
+                  <a:rPr lang="en-US" dirty="0"/>
+                  <a:t>B) hidden Markov model unfolded in time, written as a dynamic Bayesian network</a:t>
                 </a:r>
               </a:p>
               <a:p>
                 <a:r>
                   <a:rPr lang="en-US" dirty="0"/>
                   <a:t>C) recurrent neural network obtained by unwrapping (A)</a:t>
-                </a:r>
-              </a:p>
-              <a:p>
-                <a:r>
-                  <a:rPr lang="en-US" dirty="0"/>
-                  <a:t>Information processing in RNNs proceeds like steps in general algorithm </a:t>
                 </a:r>
               </a:p>
             </p:txBody>
@@ -12110,8 +12472,8 @@
             </p:nvSpPr>
             <p:spPr>
               <a:xfrm>
-                <a:off x="8790957" y="2887038"/>
-                <a:ext cx="3401041" cy="3970961"/>
+                <a:off x="8790957" y="2619910"/>
+                <a:ext cx="3401041" cy="4238089"/>
               </a:xfrm>
               <a:prstGeom prst="rect">
                 <a:avLst/>
@@ -12119,7 +12481,7 @@
               <a:blipFill>
                 <a:blip r:embed="rId3"/>
                 <a:stretch>
-                  <a:fillRect l="-1971" t="-3226" r="-1254"/>
+                  <a:fillRect l="-1613" t="-2734" r="-3226" b="-144"/>
                 </a:stretch>
               </a:blipFill>
             </p:spPr>
@@ -12303,6 +12665,247 @@
                       </p:childTnLst>
                     </p:cTn>
                   </p:par>
+                  <p:par>
+                    <p:cTn id="15" fill="hold">
+                      <p:stCondLst>
+                        <p:cond delay="indefinite"/>
+                      </p:stCondLst>
+                      <p:childTnLst>
+                        <p:par>
+                          <p:cTn id="16" fill="hold">
+                            <p:stCondLst>
+                              <p:cond delay="0"/>
+                            </p:stCondLst>
+                            <p:childTnLst>
+                              <p:par>
+                                <p:cTn id="17" presetID="1" presetClass="entr" presetSubtype="0" fill="hold" nodeType="clickEffect">
+                                  <p:stCondLst>
+                                    <p:cond delay="0"/>
+                                  </p:stCondLst>
+                                  <p:childTnLst>
+                                    <p:set>
+                                      <p:cBhvr>
+                                        <p:cTn id="18" dur="1" fill="hold">
+                                          <p:stCondLst>
+                                            <p:cond delay="0"/>
+                                          </p:stCondLst>
+                                        </p:cTn>
+                                        <p:tgtEl>
+                                          <p:spTgt spid="4"/>
+                                        </p:tgtEl>
+                                        <p:attrNameLst>
+                                          <p:attrName>style.visibility</p:attrName>
+                                        </p:attrNameLst>
+                                      </p:cBhvr>
+                                      <p:to>
+                                        <p:strVal val="visible"/>
+                                      </p:to>
+                                    </p:set>
+                                  </p:childTnLst>
+                                </p:cTn>
+                              </p:par>
+                            </p:childTnLst>
+                          </p:cTn>
+                        </p:par>
+                      </p:childTnLst>
+                    </p:cTn>
+                  </p:par>
+                  <p:par>
+                    <p:cTn id="19" fill="hold">
+                      <p:stCondLst>
+                        <p:cond delay="indefinite"/>
+                      </p:stCondLst>
+                      <p:childTnLst>
+                        <p:par>
+                          <p:cTn id="20" fill="hold">
+                            <p:stCondLst>
+                              <p:cond delay="0"/>
+                            </p:stCondLst>
+                            <p:childTnLst>
+                              <p:par>
+                                <p:cTn id="21" presetID="1" presetClass="entr" presetSubtype="0" fill="hold" nodeType="clickEffect">
+                                  <p:stCondLst>
+                                    <p:cond delay="0"/>
+                                  </p:stCondLst>
+                                  <p:childTnLst>
+                                    <p:set>
+                                      <p:cBhvr>
+                                        <p:cTn id="22" dur="1" fill="hold">
+                                          <p:stCondLst>
+                                            <p:cond delay="0"/>
+                                          </p:stCondLst>
+                                        </p:cTn>
+                                        <p:tgtEl>
+                                          <p:spTgt spid="5">
+                                            <p:txEl>
+                                              <p:pRg st="0" end="0"/>
+                                            </p:txEl>
+                                          </p:spTgt>
+                                        </p:tgtEl>
+                                        <p:attrNameLst>
+                                          <p:attrName>style.visibility</p:attrName>
+                                        </p:attrNameLst>
+                                      </p:cBhvr>
+                                      <p:to>
+                                        <p:strVal val="visible"/>
+                                      </p:to>
+                                    </p:set>
+                                  </p:childTnLst>
+                                </p:cTn>
+                              </p:par>
+                            </p:childTnLst>
+                          </p:cTn>
+                        </p:par>
+                      </p:childTnLst>
+                    </p:cTn>
+                  </p:par>
+                  <p:par>
+                    <p:cTn id="23" fill="hold">
+                      <p:stCondLst>
+                        <p:cond delay="indefinite"/>
+                      </p:stCondLst>
+                      <p:childTnLst>
+                        <p:par>
+                          <p:cTn id="24" fill="hold">
+                            <p:stCondLst>
+                              <p:cond delay="0"/>
+                            </p:stCondLst>
+                            <p:childTnLst>
+                              <p:par>
+                                <p:cTn id="25" presetID="1" presetClass="entr" presetSubtype="0" fill="hold" nodeType="clickEffect">
+                                  <p:stCondLst>
+                                    <p:cond delay="0"/>
+                                  </p:stCondLst>
+                                  <p:childTnLst>
+                                    <p:set>
+                                      <p:cBhvr>
+                                        <p:cTn id="26" dur="1" fill="hold">
+                                          <p:stCondLst>
+                                            <p:cond delay="0"/>
+                                          </p:stCondLst>
+                                        </p:cTn>
+                                        <p:tgtEl>
+                                          <p:spTgt spid="5">
+                                            <p:txEl>
+                                              <p:pRg st="1" end="1"/>
+                                            </p:txEl>
+                                          </p:spTgt>
+                                        </p:tgtEl>
+                                        <p:attrNameLst>
+                                          <p:attrName>style.visibility</p:attrName>
+                                        </p:attrNameLst>
+                                      </p:cBhvr>
+                                      <p:to>
+                                        <p:strVal val="visible"/>
+                                      </p:to>
+                                    </p:set>
+                                  </p:childTnLst>
+                                </p:cTn>
+                              </p:par>
+                            </p:childTnLst>
+                          </p:cTn>
+                        </p:par>
+                      </p:childTnLst>
+                    </p:cTn>
+                  </p:par>
+                  <p:par>
+                    <p:cTn id="27" fill="hold">
+                      <p:stCondLst>
+                        <p:cond delay="indefinite"/>
+                      </p:stCondLst>
+                      <p:childTnLst>
+                        <p:par>
+                          <p:cTn id="28" fill="hold">
+                            <p:stCondLst>
+                              <p:cond delay="0"/>
+                            </p:stCondLst>
+                            <p:childTnLst>
+                              <p:par>
+                                <p:cTn id="29" presetID="1" presetClass="entr" presetSubtype="0" fill="hold" nodeType="clickEffect">
+                                  <p:stCondLst>
+                                    <p:cond delay="0"/>
+                                  </p:stCondLst>
+                                  <p:childTnLst>
+                                    <p:set>
+                                      <p:cBhvr>
+                                        <p:cTn id="30" dur="1" fill="hold">
+                                          <p:stCondLst>
+                                            <p:cond delay="0"/>
+                                          </p:stCondLst>
+                                        </p:cTn>
+                                        <p:tgtEl>
+                                          <p:spTgt spid="5">
+                                            <p:txEl>
+                                              <p:pRg st="2" end="2"/>
+                                            </p:txEl>
+                                          </p:spTgt>
+                                        </p:tgtEl>
+                                        <p:attrNameLst>
+                                          <p:attrName>style.visibility</p:attrName>
+                                        </p:attrNameLst>
+                                      </p:cBhvr>
+                                      <p:to>
+                                        <p:strVal val="visible"/>
+                                      </p:to>
+                                    </p:set>
+                                  </p:childTnLst>
+                                </p:cTn>
+                              </p:par>
+                            </p:childTnLst>
+                          </p:cTn>
+                        </p:par>
+                      </p:childTnLst>
+                    </p:cTn>
+                  </p:par>
+                  <p:par>
+                    <p:cTn id="31" fill="hold">
+                      <p:stCondLst>
+                        <p:cond delay="indefinite"/>
+                      </p:stCondLst>
+                      <p:childTnLst>
+                        <p:par>
+                          <p:cTn id="32" fill="hold">
+                            <p:stCondLst>
+                              <p:cond delay="0"/>
+                            </p:stCondLst>
+                            <p:childTnLst>
+                              <p:par>
+                                <p:cTn id="33" presetID="1" presetClass="entr" presetSubtype="0" fill="hold" nodeType="clickEffect">
+                                  <p:stCondLst>
+                                    <p:cond delay="0"/>
+                                  </p:stCondLst>
+                                  <p:childTnLst>
+                                    <p:set>
+                                      <p:cBhvr>
+                                        <p:cTn id="34" dur="1" fill="hold">
+                                          <p:stCondLst>
+                                            <p:cond delay="0"/>
+                                          </p:stCondLst>
+                                        </p:cTn>
+                                        <p:tgtEl>
+                                          <p:spTgt spid="5">
+                                            <p:txEl>
+                                              <p:pRg st="3" end="3"/>
+                                            </p:txEl>
+                                          </p:spTgt>
+                                        </p:tgtEl>
+                                        <p:attrNameLst>
+                                          <p:attrName>style.visibility</p:attrName>
+                                        </p:attrNameLst>
+                                      </p:cBhvr>
+                                      <p:to>
+                                        <p:strVal val="visible"/>
+                                      </p:to>
+                                    </p:set>
+                                  </p:childTnLst>
+                                </p:cTn>
+                              </p:par>
+                            </p:childTnLst>
+                          </p:cTn>
+                        </p:par>
+                      </p:childTnLst>
+                    </p:cTn>
+                  </p:par>
                 </p:childTnLst>
               </p:cTn>
               <p:prevCondLst>
@@ -12482,7 +13085,7 @@
                           <a:rPr lang="en-US" b="0" i="1" smtClean="0">
                             <a:latin typeface="Cambria Math" panose="02040503050406030204" pitchFamily="18" charset="0"/>
                           </a:rPr>
-                          <m:t>𝑖</m:t>
+                          <m:t>𝑡</m:t>
                         </m:r>
                       </m:sub>
                     </m:sSub>
@@ -12657,143 +13260,6 @@
                 <a:endParaRPr lang="en-US" b="0" dirty="0"/>
               </a:p>
               <a:p>
-                <a14:m>
-                  <m:oMath xmlns:m="http://schemas.openxmlformats.org/officeDocument/2006/math">
-                    <m:sSub>
-                      <m:sSubPr>
-                        <m:ctrlPr>
-                          <a:rPr lang="en-US" i="1" smtClean="0">
-                            <a:latin typeface="Cambria Math" panose="02040503050406030204" pitchFamily="18" charset="0"/>
-                          </a:rPr>
-                        </m:ctrlPr>
-                      </m:sSubPr>
-                      <m:e>
-                        <m:r>
-                          <a:rPr lang="en-US" b="1" i="1" smtClean="0">
-                            <a:latin typeface="Cambria Math" panose="02040503050406030204" pitchFamily="18" charset="0"/>
-                          </a:rPr>
-                          <m:t>𝒐</m:t>
-                        </m:r>
-                      </m:e>
-                      <m:sub>
-                        <m:r>
-                          <a:rPr lang="en-US" b="0" i="1" smtClean="0">
-                            <a:latin typeface="Cambria Math" panose="02040503050406030204" pitchFamily="18" charset="0"/>
-                          </a:rPr>
-                          <m:t>𝑡</m:t>
-                        </m:r>
-                      </m:sub>
-                    </m:sSub>
-                    <m:r>
-                      <a:rPr lang="en-US" b="0" i="1" smtClean="0">
-                        <a:latin typeface="Cambria Math" panose="02040503050406030204" pitchFamily="18" charset="0"/>
-                      </a:rPr>
-                      <m:t>=</m:t>
-                    </m:r>
-                    <m:r>
-                      <a:rPr lang="en-US" b="0" i="1" smtClean="0">
-                        <a:latin typeface="Cambria Math" panose="02040503050406030204" pitchFamily="18" charset="0"/>
-                      </a:rPr>
-                      <m:t>𝑎𝑐𝑡</m:t>
-                    </m:r>
-                    <m:r>
-                      <a:rPr lang="en-US" b="0" i="1" smtClean="0">
-                        <a:latin typeface="Cambria Math" panose="02040503050406030204" pitchFamily="18" charset="0"/>
-                      </a:rPr>
-                      <m:t>(</m:t>
-                    </m:r>
-                    <m:sSub>
-                      <m:sSubPr>
-                        <m:ctrlPr>
-                          <a:rPr lang="en-US" b="0" i="1" smtClean="0">
-                            <a:latin typeface="Cambria Math" panose="02040503050406030204" pitchFamily="18" charset="0"/>
-                          </a:rPr>
-                        </m:ctrlPr>
-                      </m:sSubPr>
-                      <m:e>
-                        <m:r>
-                          <a:rPr lang="en-US" b="1" i="1" smtClean="0">
-                            <a:latin typeface="Cambria Math" panose="02040503050406030204" pitchFamily="18" charset="0"/>
-                          </a:rPr>
-                          <m:t>𝑾</m:t>
-                        </m:r>
-                      </m:e>
-                      <m:sub>
-                        <m:r>
-                          <a:rPr lang="en-US" b="0" i="1" smtClean="0">
-                            <a:latin typeface="Cambria Math" panose="02040503050406030204" pitchFamily="18" charset="0"/>
-                          </a:rPr>
-                          <m:t>𝑜</m:t>
-                        </m:r>
-                      </m:sub>
-                    </m:sSub>
-                    <m:sSub>
-                      <m:sSubPr>
-                        <m:ctrlPr>
-                          <a:rPr lang="en-US" b="0" i="1" smtClean="0">
-                            <a:latin typeface="Cambria Math" panose="02040503050406030204" pitchFamily="18" charset="0"/>
-                          </a:rPr>
-                        </m:ctrlPr>
-                      </m:sSubPr>
-                      <m:e>
-                        <m:r>
-                          <a:rPr lang="en-US" b="1" i="1" smtClean="0">
-                            <a:latin typeface="Cambria Math" panose="02040503050406030204" pitchFamily="18" charset="0"/>
-                          </a:rPr>
-                          <m:t>𝒉</m:t>
-                        </m:r>
-                      </m:e>
-                      <m:sub>
-                        <m:r>
-                          <a:rPr lang="en-US" b="0" i="1" smtClean="0">
-                            <a:latin typeface="Cambria Math" panose="02040503050406030204" pitchFamily="18" charset="0"/>
-                          </a:rPr>
-                          <m:t>𝑡</m:t>
-                        </m:r>
-                      </m:sub>
-                    </m:sSub>
-                    <m:r>
-                      <a:rPr lang="en-US" b="0" i="1" smtClean="0">
-                        <a:latin typeface="Cambria Math" panose="02040503050406030204" pitchFamily="18" charset="0"/>
-                      </a:rPr>
-                      <m:t>+</m:t>
-                    </m:r>
-                    <m:sSub>
-                      <m:sSubPr>
-                        <m:ctrlPr>
-                          <a:rPr lang="en-US" b="0" i="1" smtClean="0">
-                            <a:latin typeface="Cambria Math" panose="02040503050406030204" pitchFamily="18" charset="0"/>
-                          </a:rPr>
-                        </m:ctrlPr>
-                      </m:sSubPr>
-                      <m:e>
-                        <m:r>
-                          <a:rPr lang="en-US" b="1" i="1" smtClean="0">
-                            <a:latin typeface="Cambria Math" panose="02040503050406030204" pitchFamily="18" charset="0"/>
-                          </a:rPr>
-                          <m:t>𝒃</m:t>
-                        </m:r>
-                      </m:e>
-                      <m:sub>
-                        <m:r>
-                          <a:rPr lang="en-US" b="0" i="1" smtClean="0">
-                            <a:latin typeface="Cambria Math" panose="02040503050406030204" pitchFamily="18" charset="0"/>
-                          </a:rPr>
-                          <m:t>𝑜</m:t>
-                        </m:r>
-                      </m:sub>
-                    </m:sSub>
-                    <m:r>
-                      <a:rPr lang="en-US" b="0" i="1" smtClean="0">
-                        <a:latin typeface="Cambria Math" panose="02040503050406030204" pitchFamily="18" charset="0"/>
-                      </a:rPr>
-                      <m:t>)</m:t>
-                    </m:r>
-                  </m:oMath>
-                </a14:m>
-                <a:endParaRPr lang="en-US" dirty="0"/>
-              </a:p>
-              <a:p>
                 <a:r>
                   <a:rPr lang="en-US" dirty="0"/>
                   <a:t>The same matrix </a:t>
@@ -13114,6 +13580,146 @@
                   <a:rPr lang="en-US" dirty="0"/>
                   <a:t>The output layer is modeled by a classical neural network activation function applied to a linear transformation of the hidden units, and the operation is replicated at each time step</a:t>
                 </a:r>
+              </a:p>
+              <a:p>
+                <a14:m>
+                  <m:oMath xmlns:m="http://schemas.openxmlformats.org/officeDocument/2006/math">
+                    <m:sSub>
+                      <m:sSubPr>
+                        <m:ctrlPr>
+                          <a:rPr lang="en-US" i="1">
+                            <a:latin typeface="Cambria Math" panose="02040503050406030204" pitchFamily="18" charset="0"/>
+                          </a:rPr>
+                        </m:ctrlPr>
+                      </m:sSubPr>
+                      <m:e>
+                        <m:r>
+                          <a:rPr lang="en-US" b="1" i="1">
+                            <a:latin typeface="Cambria Math" panose="02040503050406030204" pitchFamily="18" charset="0"/>
+                          </a:rPr>
+                          <m:t>𝒐</m:t>
+                        </m:r>
+                      </m:e>
+                      <m:sub>
+                        <m:r>
+                          <a:rPr lang="en-US" i="1">
+                            <a:latin typeface="Cambria Math" panose="02040503050406030204" pitchFamily="18" charset="0"/>
+                          </a:rPr>
+                          <m:t>𝑡</m:t>
+                        </m:r>
+                      </m:sub>
+                    </m:sSub>
+                    <m:r>
+                      <a:rPr lang="en-US" i="1">
+                        <a:latin typeface="Cambria Math" panose="02040503050406030204" pitchFamily="18" charset="0"/>
+                      </a:rPr>
+                      <m:t>=</m:t>
+                    </m:r>
+                    <m:r>
+                      <a:rPr lang="en-US" i="1">
+                        <a:latin typeface="Cambria Math" panose="02040503050406030204" pitchFamily="18" charset="0"/>
+                      </a:rPr>
+                      <m:t>𝑎𝑐𝑡</m:t>
+                    </m:r>
+                    <m:r>
+                      <a:rPr lang="en-US" i="1">
+                        <a:latin typeface="Cambria Math" panose="02040503050406030204" pitchFamily="18" charset="0"/>
+                      </a:rPr>
+                      <m:t>(</m:t>
+                    </m:r>
+                    <m:sSub>
+                      <m:sSubPr>
+                        <m:ctrlPr>
+                          <a:rPr lang="en-US" i="1">
+                            <a:latin typeface="Cambria Math" panose="02040503050406030204" pitchFamily="18" charset="0"/>
+                          </a:rPr>
+                        </m:ctrlPr>
+                      </m:sSubPr>
+                      <m:e>
+                        <m:r>
+                          <a:rPr lang="en-US" b="1" i="1">
+                            <a:latin typeface="Cambria Math" panose="02040503050406030204" pitchFamily="18" charset="0"/>
+                          </a:rPr>
+                          <m:t>𝑾</m:t>
+                        </m:r>
+                      </m:e>
+                      <m:sub>
+                        <m:r>
+                          <a:rPr lang="en-US" i="1">
+                            <a:latin typeface="Cambria Math" panose="02040503050406030204" pitchFamily="18" charset="0"/>
+                          </a:rPr>
+                          <m:t>𝑜</m:t>
+                        </m:r>
+                      </m:sub>
+                    </m:sSub>
+                    <m:sSub>
+                      <m:sSubPr>
+                        <m:ctrlPr>
+                          <a:rPr lang="en-US" i="1">
+                            <a:latin typeface="Cambria Math" panose="02040503050406030204" pitchFamily="18" charset="0"/>
+                          </a:rPr>
+                        </m:ctrlPr>
+                      </m:sSubPr>
+                      <m:e>
+                        <m:r>
+                          <a:rPr lang="en-US" b="1" i="1">
+                            <a:latin typeface="Cambria Math" panose="02040503050406030204" pitchFamily="18" charset="0"/>
+                          </a:rPr>
+                          <m:t>𝒉</m:t>
+                        </m:r>
+                      </m:e>
+                      <m:sub>
+                        <m:r>
+                          <a:rPr lang="en-US" i="1">
+                            <a:latin typeface="Cambria Math" panose="02040503050406030204" pitchFamily="18" charset="0"/>
+                          </a:rPr>
+                          <m:t>𝑡</m:t>
+                        </m:r>
+                      </m:sub>
+                    </m:sSub>
+                    <m:r>
+                      <a:rPr lang="en-US" i="1">
+                        <a:latin typeface="Cambria Math" panose="02040503050406030204" pitchFamily="18" charset="0"/>
+                      </a:rPr>
+                      <m:t>+</m:t>
+                    </m:r>
+                    <m:sSub>
+                      <m:sSubPr>
+                        <m:ctrlPr>
+                          <a:rPr lang="en-US" i="1">
+                            <a:latin typeface="Cambria Math" panose="02040503050406030204" pitchFamily="18" charset="0"/>
+                          </a:rPr>
+                        </m:ctrlPr>
+                      </m:sSubPr>
+                      <m:e>
+                        <m:r>
+                          <a:rPr lang="en-US" b="1" i="1">
+                            <a:latin typeface="Cambria Math" panose="02040503050406030204" pitchFamily="18" charset="0"/>
+                          </a:rPr>
+                          <m:t>𝒃</m:t>
+                        </m:r>
+                      </m:e>
+                      <m:sub>
+                        <m:r>
+                          <a:rPr lang="en-US" i="1">
+                            <a:latin typeface="Cambria Math" panose="02040503050406030204" pitchFamily="18" charset="0"/>
+                          </a:rPr>
+                          <m:t>𝑜</m:t>
+                        </m:r>
+                      </m:sub>
+                    </m:sSub>
+                    <m:r>
+                      <a:rPr lang="en-US" i="1">
+                        <a:latin typeface="Cambria Math" panose="02040503050406030204" pitchFamily="18" charset="0"/>
+                      </a:rPr>
+                      <m:t>)</m:t>
+                    </m:r>
+                  </m:oMath>
+                </a14:m>
+                <a:endParaRPr lang="en-US" dirty="0"/>
+              </a:p>
+              <a:p>
+                <a:endParaRPr lang="en-US" dirty="0"/>
               </a:p>
             </p:txBody>
           </p:sp>
@@ -13596,95 +14202,187 @@
           <a:p>
             <a:r>
               <a:rPr lang="en-US" dirty="0"/>
-              <a:t>Vanishing/exploding gradients</a:t>
+              <a:t>Exploding/Vanishing gradients</a:t>
             </a:r>
           </a:p>
         </p:txBody>
       </p:sp>
-      <p:sp>
-        <p:nvSpPr>
-          <p:cNvPr id="3" name="Content Placeholder 2">
-            <a:extLst>
-              <a:ext uri="{FF2B5EF4-FFF2-40B4-BE49-F238E27FC236}">
-                <a16:creationId xmlns:a16="http://schemas.microsoft.com/office/drawing/2014/main" id="{5BC003B1-A40C-4BC5-8815-CDF18A92B00D}"/>
-              </a:ext>
-            </a:extLst>
-          </p:cNvPr>
-          <p:cNvSpPr>
-            <a:spLocks noGrp="1"/>
-          </p:cNvSpPr>
-          <p:nvPr>
-            <p:ph idx="1"/>
-          </p:nvPr>
-        </p:nvSpPr>
-        <p:spPr>
-          <a:xfrm>
-            <a:off x="0" y="1013966"/>
-            <a:ext cx="12191999" cy="5844033"/>
-          </a:xfrm>
-        </p:spPr>
-        <p:txBody>
-          <a:bodyPr>
-            <a:normAutofit/>
-          </a:bodyPr>
-          <a:lstStyle/>
-          <a:p>
-            <a:r>
-              <a:rPr lang="en-US" dirty="0"/>
-              <a:t>Recurrent neural network uses the same matrix at each time step</a:t>
-            </a:r>
-          </a:p>
-          <a:p>
-            <a:r>
-              <a:rPr lang="en-US" dirty="0"/>
-              <a:t>Over many steps, gradient can easily diminish to zero or explode to infinity</a:t>
-            </a:r>
-          </a:p>
-          <a:p>
-            <a:r>
-              <a:rPr lang="en-US" dirty="0"/>
-              <a:t>LSTM RNN architecture specifically created to address vanishing gradient problem</a:t>
-            </a:r>
-          </a:p>
-          <a:p>
-            <a:pPr lvl="1"/>
-            <a:r>
-              <a:rPr lang="en-US" dirty="0"/>
-              <a:t>LSTM = long short term memory</a:t>
-            </a:r>
-          </a:p>
-          <a:p>
-            <a:r>
-              <a:rPr lang="en-US" dirty="0"/>
-              <a:t>Uses special combination of hidden units, elementwise products and sums between units to implement gates that control ‘memory cells’.</a:t>
-            </a:r>
-          </a:p>
-          <a:p>
-            <a:r>
-              <a:rPr lang="en-US" dirty="0"/>
-              <a:t>Memory cells designed to retain information without modification for long time</a:t>
-            </a:r>
-          </a:p>
-          <a:p>
-            <a:r>
-              <a:rPr lang="en-US" dirty="0"/>
-              <a:t>Memory cells have own input/output gates, controlled by learnable gates that are a function of the current observation and hidden units at previous timestep</a:t>
-            </a:r>
-          </a:p>
-          <a:p>
-            <a:r>
-              <a:rPr lang="en-US" dirty="0"/>
-              <a:t>As a result, backpropagated error terms from gradient computations can be stored and propagated backwards without degradation</a:t>
-            </a:r>
-          </a:p>
-          <a:p>
-            <a:r>
-              <a:rPr lang="en-US" dirty="0"/>
-              <a:t>Complex architecture, but resulted in top performance on real-world problems </a:t>
-            </a:r>
-          </a:p>
-        </p:txBody>
-      </p:sp>
+      <mc:AlternateContent xmlns:mc="http://schemas.openxmlformats.org/markup-compatibility/2006">
+        <mc:Choice xmlns:a14="http://schemas.microsoft.com/office/drawing/2010/main" Requires="a14">
+          <p:sp>
+            <p:nvSpPr>
+              <p:cNvPr id="3" name="Content Placeholder 2">
+                <a:extLst>
+                  <a:ext uri="{FF2B5EF4-FFF2-40B4-BE49-F238E27FC236}">
+                    <a16:creationId xmlns:a16="http://schemas.microsoft.com/office/drawing/2014/main" id="{5BC003B1-A40C-4BC5-8815-CDF18A92B00D}"/>
+                  </a:ext>
+                </a:extLst>
+              </p:cNvPr>
+              <p:cNvSpPr>
+                <a:spLocks noGrp="1"/>
+              </p:cNvSpPr>
+              <p:nvPr>
+                <p:ph idx="1"/>
+              </p:nvPr>
+            </p:nvSpPr>
+            <p:spPr>
+              <a:xfrm>
+                <a:off x="0" y="1013966"/>
+                <a:ext cx="12191999" cy="5844033"/>
+              </a:xfrm>
+            </p:spPr>
+            <p:txBody>
+              <a:bodyPr>
+                <a:normAutofit lnSpcReduction="10000"/>
+              </a:bodyPr>
+              <a:lstStyle/>
+              <a:p>
+                <a:r>
+                  <a:rPr lang="en-US" dirty="0"/>
+                  <a:t>Recurrent neural network uses the same matrix </a:t>
+                </a:r>
+                <a14:m>
+                  <m:oMath xmlns:m="http://schemas.openxmlformats.org/officeDocument/2006/math">
+                    <m:sSub>
+                      <m:sSubPr>
+                        <m:ctrlPr>
+                          <a:rPr lang="en-US" i="1">
+                            <a:latin typeface="Cambria Math" panose="02040503050406030204" pitchFamily="18" charset="0"/>
+                          </a:rPr>
+                        </m:ctrlPr>
+                      </m:sSubPr>
+                      <m:e>
+                        <m:r>
+                          <a:rPr lang="en-US" b="1" i="1">
+                            <a:latin typeface="Cambria Math" panose="02040503050406030204" pitchFamily="18" charset="0"/>
+                          </a:rPr>
+                          <m:t>𝑼</m:t>
+                        </m:r>
+                      </m:e>
+                      <m:sub>
+                        <m:r>
+                          <a:rPr lang="en-US" i="1">
+                            <a:latin typeface="Cambria Math" panose="02040503050406030204" pitchFamily="18" charset="0"/>
+                          </a:rPr>
+                          <m:t>h</m:t>
+                        </m:r>
+                      </m:sub>
+                    </m:sSub>
+                    <m:r>
+                      <a:rPr lang="en-US" i="1">
+                        <a:latin typeface="Cambria Math" panose="02040503050406030204" pitchFamily="18" charset="0"/>
+                      </a:rPr>
+                      <m:t> </m:t>
+                    </m:r>
+                  </m:oMath>
+                </a14:m>
+                <a:r>
+                  <a:rPr lang="en-US" dirty="0"/>
+                  <a:t>at each time step</a:t>
+                </a:r>
+              </a:p>
+              <a:p>
+                <a:r>
+                  <a:rPr lang="en-US" dirty="0"/>
+                  <a:t>Over many steps, gradient can easily diminish to zero or explode to infinity</a:t>
+                </a:r>
+              </a:p>
+              <a:p>
+                <a:r>
+                  <a:rPr lang="en-US" dirty="0"/>
+                  <a:t>Makes it difficult to learn long-term dependencies in data</a:t>
+                </a:r>
+              </a:p>
+              <a:p>
+                <a:r>
+                  <a:rPr lang="en-US" dirty="0"/>
+                  <a:t>LSTM RNN architecture specifically created to address vanishing gradient problem</a:t>
+                </a:r>
+              </a:p>
+              <a:p>
+                <a:pPr lvl="1"/>
+                <a:r>
+                  <a:rPr lang="en-US" dirty="0"/>
+                  <a:t>LSTM = long short term memory</a:t>
+                </a:r>
+              </a:p>
+              <a:p>
+                <a:r>
+                  <a:rPr lang="en-US" dirty="0"/>
+                  <a:t>Uses special combination of hidden units, elementwise products and sums between units to implement gates that control ‘memory cells’.</a:t>
+                </a:r>
+              </a:p>
+              <a:p>
+                <a:r>
+                  <a:rPr lang="en-US" dirty="0"/>
+                  <a:t>Memory cells designed to retain information without modification for long time</a:t>
+                </a:r>
+              </a:p>
+              <a:p>
+                <a:r>
+                  <a:rPr lang="en-US" dirty="0"/>
+                  <a:t>Memory cells have own input/output gates, controlled by learnable weights that are a function of the current observation and hidden units at previous timestep</a:t>
+                </a:r>
+              </a:p>
+              <a:p>
+                <a:r>
+                  <a:rPr lang="en-US" dirty="0"/>
+                  <a:t>As a result, backpropagated error terms from gradient computations can be stored and propagated backwards without degradation</a:t>
+                </a:r>
+              </a:p>
+              <a:p>
+                <a:r>
+                  <a:rPr lang="en-US" dirty="0"/>
+                  <a:t>Complex architecture, but resulted in top performance on real-world problems </a:t>
+                </a:r>
+              </a:p>
+            </p:txBody>
+          </p:sp>
+        </mc:Choice>
+        <mc:Fallback>
+          <p:sp>
+            <p:nvSpPr>
+              <p:cNvPr id="3" name="Content Placeholder 2">
+                <a:extLst>
+                  <a:ext uri="{FF2B5EF4-FFF2-40B4-BE49-F238E27FC236}">
+                    <a16:creationId xmlns:a16="http://schemas.microsoft.com/office/drawing/2014/main" id="{5BC003B1-A40C-4BC5-8815-CDF18A92B00D}"/>
+                  </a:ext>
+                </a:extLst>
+              </p:cNvPr>
+              <p:cNvSpPr>
+                <a:spLocks noGrp="1" noRot="1" noChangeAspect="1" noMove="1" noResize="1" noEditPoints="1" noAdjustHandles="1" noChangeArrowheads="1" noChangeShapeType="1" noTextEdit="1"/>
+              </p:cNvSpPr>
+              <p:nvPr>
+                <p:ph idx="1"/>
+              </p:nvPr>
+            </p:nvSpPr>
+            <p:spPr>
+              <a:xfrm>
+                <a:off x="0" y="1013966"/>
+                <a:ext cx="12191999" cy="5844033"/>
+              </a:xfrm>
+              <a:blipFill>
+                <a:blip r:embed="rId2"/>
+                <a:stretch>
+                  <a:fillRect l="-900" t="-2294" r="-900"/>
+                </a:stretch>
+              </a:blipFill>
+            </p:spPr>
+            <p:txBody>
+              <a:bodyPr/>
+              <a:lstStyle/>
+              <a:p>
+                <a:r>
+                  <a:rPr lang="en-US">
+                    <a:noFill/>
+                  </a:rPr>
+                  <a:t> </a:t>
+                </a:r>
+              </a:p>
+            </p:txBody>
+          </p:sp>
+        </mc:Fallback>
+      </mc:AlternateContent>
     </p:spTree>
     <p:extLst>
       <p:ext uri="{BB962C8B-B14F-4D97-AF65-F5344CB8AC3E}">
@@ -13844,15 +14542,33 @@
                                   </p:childTnLst>
                                 </p:cTn>
                               </p:par>
+                            </p:childTnLst>
+                          </p:cTn>
+                        </p:par>
+                      </p:childTnLst>
+                    </p:cTn>
+                  </p:par>
+                  <p:par>
+                    <p:cTn id="15" fill="hold">
+                      <p:stCondLst>
+                        <p:cond delay="indefinite"/>
+                      </p:stCondLst>
+                      <p:childTnLst>
+                        <p:par>
+                          <p:cTn id="16" fill="hold">
+                            <p:stCondLst>
+                              <p:cond delay="0"/>
+                            </p:stCondLst>
+                            <p:childTnLst>
                               <p:par>
-                                <p:cTn id="15" presetID="1" presetClass="entr" presetSubtype="0" fill="hold" grpId="0" nodeType="withEffect">
+                                <p:cTn id="17" presetID="1" presetClass="entr" presetSubtype="0" fill="hold" grpId="0" nodeType="clickEffect">
                                   <p:stCondLst>
                                     <p:cond delay="0"/>
                                   </p:stCondLst>
                                   <p:childTnLst>
                                     <p:set>
                                       <p:cBhvr>
-                                        <p:cTn id="16" dur="1" fill="hold">
+                                        <p:cTn id="18" dur="1" fill="hold">
                                           <p:stCondLst>
                                             <p:cond delay="0"/>
                                           </p:stCondLst>
@@ -13875,26 +14591,8 @@
                                   </p:childTnLst>
                                 </p:cTn>
                               </p:par>
-                            </p:childTnLst>
-                          </p:cTn>
-                        </p:par>
-                      </p:childTnLst>
-                    </p:cTn>
-                  </p:par>
-                  <p:par>
-                    <p:cTn id="17" fill="hold">
-                      <p:stCondLst>
-                        <p:cond delay="indefinite"/>
-                      </p:stCondLst>
-                      <p:childTnLst>
-                        <p:par>
-                          <p:cTn id="18" fill="hold">
-                            <p:stCondLst>
-                              <p:cond delay="0"/>
-                            </p:stCondLst>
-                            <p:childTnLst>
                               <p:par>
-                                <p:cTn id="19" presetID="1" presetClass="entr" presetSubtype="0" fill="hold" grpId="0" nodeType="clickEffect">
+                                <p:cTn id="19" presetID="1" presetClass="entr" presetSubtype="0" fill="hold" grpId="0" nodeType="withEffect">
                                   <p:stCondLst>
                                     <p:cond delay="0"/>
                                   </p:stCondLst>
@@ -14106,6 +14804,55 @@
                                           <p:spTgt spid="3">
                                             <p:txEl>
                                               <p:pRg st="8" end="8"/>
+                                            </p:txEl>
+                                          </p:spTgt>
+                                        </p:tgtEl>
+                                        <p:attrNameLst>
+                                          <p:attrName>style.visibility</p:attrName>
+                                        </p:attrNameLst>
+                                      </p:cBhvr>
+                                      <p:to>
+                                        <p:strVal val="visible"/>
+                                      </p:to>
+                                    </p:set>
+                                  </p:childTnLst>
+                                </p:cTn>
+                              </p:par>
+                            </p:childTnLst>
+                          </p:cTn>
+                        </p:par>
+                      </p:childTnLst>
+                    </p:cTn>
+                  </p:par>
+                  <p:par>
+                    <p:cTn id="37" fill="hold">
+                      <p:stCondLst>
+                        <p:cond delay="indefinite"/>
+                      </p:stCondLst>
+                      <p:childTnLst>
+                        <p:par>
+                          <p:cTn id="38" fill="hold">
+                            <p:stCondLst>
+                              <p:cond delay="0"/>
+                            </p:stCondLst>
+                            <p:childTnLst>
+                              <p:par>
+                                <p:cTn id="39" presetID="1" presetClass="entr" presetSubtype="0" fill="hold" grpId="0" nodeType="clickEffect">
+                                  <p:stCondLst>
+                                    <p:cond delay="0"/>
+                                  </p:stCondLst>
+                                  <p:childTnLst>
+                                    <p:set>
+                                      <p:cBhvr>
+                                        <p:cTn id="40" dur="1" fill="hold">
+                                          <p:stCondLst>
+                                            <p:cond delay="0"/>
+                                          </p:stCondLst>
+                                        </p:cTn>
+                                        <p:tgtEl>
+                                          <p:spTgt spid="3">
+                                            <p:txEl>
+                                              <p:pRg st="9" end="9"/>
                                             </p:txEl>
                                           </p:spTgt>
                                         </p:tgtEl>
